--- a/how_bitcoin_works_2/home_blockChain.pptx
+++ b/how_bitcoin_works_2/home_blockChain.pptx
@@ -4979,64 +4979,23 @@
           <a:lstStyle/>
           <a:p>
             <a:r>
-              <a:rPr lang="en-US" dirty="0">
+              <a:rPr lang="zh-CN" altLang="en-US" dirty="0">
                 <a:hlinkClick r:id="rId2"/>
               </a:rPr>
-              <a:t>How do bitcoin transactions work</a:t>
-            </a:r>
-            <a:endParaRPr lang="en-US" dirty="0"/>
-          </a:p>
-          <a:p>
-            <a:r>
-              <a:rPr lang="en-US" dirty="0">
-                <a:hlinkClick r:id="rId3"/>
+              <a:t>谈国鹏</a:t>
+            </a:r>
+            <a:r>
+              <a:rPr lang="en-US" altLang="zh-CN" dirty="0">
+                <a:hlinkClick r:id="rId2"/>
               </a:rPr>
-              <a:t>The Challenges of Block Chain Indexing</a:t>
-            </a:r>
-            <a:endParaRPr lang="en-US" dirty="0"/>
-          </a:p>
-          <a:p>
-            <a:r>
-              <a:rPr lang="en-US" dirty="0">
-                <a:hlinkClick r:id="rId4"/>
-              </a:rPr>
-              <a:t>Blockchain platform evolution</a:t>
-            </a:r>
-            <a:endParaRPr lang="en-US" dirty="0"/>
-          </a:p>
-          <a:p>
-            <a:r>
-              <a:rPr lang="en-US" dirty="0">
-                <a:hlinkClick r:id="rId5"/>
-              </a:rPr>
-              <a:t>IOTA: A </a:t>
-            </a:r>
-            <a:r>
-              <a:rPr lang="en-US" dirty="0" err="1">
-                <a:hlinkClick r:id="rId5"/>
-              </a:rPr>
-              <a:t>Cryptoplatform</a:t>
-            </a:r>
-            <a:r>
-              <a:rPr lang="en-US" dirty="0">
-                <a:hlinkClick r:id="rId5"/>
-              </a:rPr>
-              <a:t> for Securing Transactions on the </a:t>
-            </a:r>
-            <a:r>
-              <a:rPr lang="en-US" dirty="0" err="1">
-                <a:hlinkClick r:id="rId5"/>
-              </a:rPr>
-              <a:t>IoT</a:t>
-            </a:r>
-            <a:endParaRPr lang="en-US" dirty="0"/>
-          </a:p>
-          <a:p>
-            <a:r>
-              <a:rPr lang="en-US" dirty="0">
-                <a:hlinkClick r:id="rId6"/>
-              </a:rPr>
-              <a:t>Why IBM sees blockchain as a breakthrough for traceability</a:t>
+              <a:t>Blog</a:t>
+            </a:r>
+            <a:endParaRPr lang="en-US" altLang="zh-CN" dirty="0"/>
+          </a:p>
+          <a:p>
+            <a:r>
+              <a:rPr lang="en-US"/>
+              <a:t>..</a:t>
             </a:r>
             <a:endParaRPr lang="en-US" dirty="0"/>
           </a:p>
@@ -5094,7 +5053,7 @@
           <a:p>
             <a:r>
               <a:rPr lang="en-US" dirty="0">
-                <a:hlinkClick r:id="rId7" action="ppaction://hlinksldjump"/>
+                <a:hlinkClick r:id="rId3" action="ppaction://hlinksldjump"/>
               </a:rPr>
               <a:t>Index</a:t>
             </a:r>

--- a/how_bitcoin_works_2/home_blockChain.pptx
+++ b/how_bitcoin_works_2/home_blockChain.pptx
@@ -4994,10 +4994,9 @@
           </a:p>
           <a:p>
             <a:r>
-              <a:rPr lang="en-US"/>
+              <a:rPr lang="en-US" dirty="0"/>
               <a:t>..</a:t>
             </a:r>
-            <a:endParaRPr lang="en-US" dirty="0"/>
           </a:p>
         </p:txBody>
       </p:sp>
